--- a/_ресурси/Інше/Коранберзькі Хроніки 2 Ейра.pptx
+++ b/_ресурси/Інше/Коранберзькі Хроніки 2 Ейра.pptx
@@ -7599,7 +7599,7 @@
         <p:spPr>
           <a:xfrm>
             <a:off x="272300" y="7198570"/>
-            <a:ext cx="7044099" cy="3158942"/>
+            <a:ext cx="7044099" cy="3309367"/>
           </a:xfrm>
           <a:prstGeom prst="rect">
             <a:avLst/>
@@ -7961,7 +7961,7 @@
                 <a:cs typeface="Libre Baskerville"/>
                 <a:sym typeface="Libre Baskerville"/>
               </a:rPr>
-              <a:t> ним стояла </a:t>
+              <a:t> ним стояли </a:t>
             </a:r>
             <a:r>
               <a:rPr lang="ru-RU" sz="850" b="1" dirty="0" err="1">
@@ -8081,7 +8081,103 @@
                 <a:cs typeface="Libre Baskerville"/>
                 <a:sym typeface="Libre Baskerville"/>
               </a:rPr>
-              <a:t>.</a:t>
+              <a:t>, Руна, Джин Мосс та </a:t>
+            </a:r>
+            <a:r>
+              <a:rPr lang="ru-RU" sz="850" dirty="0" err="1">
+                <a:solidFill>
+                  <a:srgbClr val="231615"/>
+                </a:solidFill>
+                <a:latin typeface="Book Antiqua" panose="02040602050305030304" pitchFamily="18" charset="0"/>
+                <a:ea typeface="Libre Baskerville"/>
+                <a:cs typeface="Libre Baskerville"/>
+                <a:sym typeface="Libre Baskerville"/>
+              </a:rPr>
+              <a:t>Натаніель</a:t>
+            </a:r>
+            <a:r>
+              <a:rPr lang="ru-RU" sz="850" dirty="0">
+                <a:solidFill>
+                  <a:srgbClr val="231615"/>
+                </a:solidFill>
+                <a:latin typeface="Book Antiqua" panose="02040602050305030304" pitchFamily="18" charset="0"/>
+                <a:ea typeface="Libre Baskerville"/>
+                <a:cs typeface="Libre Baskerville"/>
+                <a:sym typeface="Libre Baskerville"/>
+              </a:rPr>
+              <a:t>. </a:t>
+            </a:r>
+            <a:r>
+              <a:rPr lang="ru-RU" sz="850" dirty="0" err="1">
+                <a:solidFill>
+                  <a:srgbClr val="231615"/>
+                </a:solidFill>
+                <a:latin typeface="Book Antiqua" panose="02040602050305030304" pitchFamily="18" charset="0"/>
+                <a:ea typeface="Libre Baskerville"/>
+                <a:cs typeface="Libre Baskerville"/>
+                <a:sym typeface="Libre Baskerville"/>
+              </a:rPr>
+              <a:t>Називають</a:t>
+            </a:r>
+            <a:r>
+              <a:rPr lang="ru-RU" sz="850" dirty="0">
+                <a:solidFill>
+                  <a:srgbClr val="231615"/>
+                </a:solidFill>
+                <a:latin typeface="Book Antiqua" panose="02040602050305030304" pitchFamily="18" charset="0"/>
+                <a:ea typeface="Libre Baskerville"/>
+                <a:cs typeface="Libre Baskerville"/>
+                <a:sym typeface="Libre Baskerville"/>
+              </a:rPr>
+              <a:t> вони себе «</a:t>
+            </a:r>
+            <a:r>
+              <a:rPr lang="ru-RU" sz="850" dirty="0" err="1">
+                <a:solidFill>
+                  <a:srgbClr val="231615"/>
+                </a:solidFill>
+                <a:latin typeface="Book Antiqua" panose="02040602050305030304" pitchFamily="18" charset="0"/>
+                <a:ea typeface="Libre Baskerville"/>
+                <a:cs typeface="Libre Baskerville"/>
+                <a:sym typeface="Libre Baskerville"/>
+              </a:rPr>
+              <a:t>Захисники</a:t>
+            </a:r>
+            <a:r>
+              <a:rPr lang="ru-RU" sz="850" dirty="0">
+                <a:solidFill>
+                  <a:srgbClr val="231615"/>
+                </a:solidFill>
+                <a:latin typeface="Book Antiqua" panose="02040602050305030304" pitchFamily="18" charset="0"/>
+                <a:ea typeface="Libre Baskerville"/>
+                <a:cs typeface="Libre Baskerville"/>
+                <a:sym typeface="Libre Baskerville"/>
+              </a:rPr>
+              <a:t> </a:t>
+            </a:r>
+            <a:r>
+              <a:rPr lang="ru-RU" sz="850" dirty="0" err="1">
+                <a:solidFill>
+                  <a:srgbClr val="231615"/>
+                </a:solidFill>
+                <a:latin typeface="Book Antiqua" panose="02040602050305030304" pitchFamily="18" charset="0"/>
+                <a:ea typeface="Libre Baskerville"/>
+                <a:cs typeface="Libre Baskerville"/>
+                <a:sym typeface="Libre Baskerville"/>
+              </a:rPr>
+              <a:t>Хорвейру</a:t>
+            </a:r>
+            <a:r>
+              <a:rPr lang="ru-RU" sz="850" dirty="0">
+                <a:solidFill>
+                  <a:srgbClr val="231615"/>
+                </a:solidFill>
+                <a:latin typeface="Book Antiqua" panose="02040602050305030304" pitchFamily="18" charset="0"/>
+                <a:ea typeface="Libre Baskerville"/>
+                <a:cs typeface="Libre Baskerville"/>
+                <a:sym typeface="Libre Baskerville"/>
+              </a:rPr>
+              <a:t>».</a:t>
             </a:r>
             <a:r>
               <a:rPr lang="uk-UA" sz="850" dirty="0">
